--- a/캡디 경진대회 발표/캡디 발표자료_0.5.pptx
+++ b/캡디 경진대회 발표/캡디 발표자료_0.5.pptx
@@ -1947,6 +1947,26 @@
             <a:endParaRPr lang="ko-KR" altLang="en-US" dirty="0" smtClean="0"/>
           </a:p>
           <a:p>
+            <a:r>
+              <a:rPr lang="en-US" altLang="ko-KR" dirty="0" smtClean="0"/>
+              <a:t>Code : H101</a:t>
+            </a:r>
+          </a:p>
+          <a:p>
+            <a:r>
+              <a:rPr lang="en-US" altLang="ko-KR" dirty="0" smtClean="0"/>
+              <a:t>ID</a:t>
+            </a:r>
+            <a:r>
+              <a:rPr lang="en-US" altLang="ko-KR" baseline="0" dirty="0" smtClean="0"/>
+              <a:t> : 2</a:t>
+            </a:r>
+          </a:p>
+          <a:p>
+            <a:r>
+              <a:rPr lang="en-US" altLang="ko-KR" baseline="0" smtClean="0"/>
+              <a:t>Password : 1234567</a:t>
+            </a:r>
             <a:endParaRPr lang="ko-KR" altLang="en-US" dirty="0" smtClean="0"/>
           </a:p>
           <a:p>
